--- a/Chapter3/Cellular Automata Problem/Cellular automaton.pptx
+++ b/Chapter3/Cellular Automata Problem/Cellular automaton.pptx
@@ -206,7 +206,7 @@
           <a:p>
             <a:fld id="{1D8150C8-12DC-4433-B76E-77C940B72A0D}" type="datetimeFigureOut">
               <a:rPr lang="ko-KR" altLang="en-US" smtClean="0"/>
-              <a:t>2020-01-22</a:t>
+              <a:t>2020-02-03</a:t>
             </a:fld>
             <a:endParaRPr lang="ko-KR" altLang="en-US"/>
           </a:p>
@@ -710,7 +710,7 @@
           <a:p>
             <a:fld id="{18998294-CC79-4C42-BA15-DC81386A4A2F}" type="datetimeFigureOut">
               <a:rPr lang="ko-KR" altLang="en-US" smtClean="0"/>
-              <a:t>2020-01-22</a:t>
+              <a:t>2020-02-03</a:t>
             </a:fld>
             <a:endParaRPr lang="ko-KR" altLang="en-US"/>
           </a:p>
@@ -908,7 +908,7 @@
           <a:p>
             <a:fld id="{18998294-CC79-4C42-BA15-DC81386A4A2F}" type="datetimeFigureOut">
               <a:rPr lang="ko-KR" altLang="en-US" smtClean="0"/>
-              <a:t>2020-01-22</a:t>
+              <a:t>2020-02-03</a:t>
             </a:fld>
             <a:endParaRPr lang="ko-KR" altLang="en-US"/>
           </a:p>
@@ -1116,7 +1116,7 @@
           <a:p>
             <a:fld id="{18998294-CC79-4C42-BA15-DC81386A4A2F}" type="datetimeFigureOut">
               <a:rPr lang="ko-KR" altLang="en-US" smtClean="0"/>
-              <a:t>2020-01-22</a:t>
+              <a:t>2020-02-03</a:t>
             </a:fld>
             <a:endParaRPr lang="ko-KR" altLang="en-US"/>
           </a:p>
@@ -1314,7 +1314,7 @@
           <a:p>
             <a:fld id="{18998294-CC79-4C42-BA15-DC81386A4A2F}" type="datetimeFigureOut">
               <a:rPr lang="ko-KR" altLang="en-US" smtClean="0"/>
-              <a:t>2020-01-22</a:t>
+              <a:t>2020-02-03</a:t>
             </a:fld>
             <a:endParaRPr lang="ko-KR" altLang="en-US"/>
           </a:p>
@@ -1589,7 +1589,7 @@
           <a:p>
             <a:fld id="{18998294-CC79-4C42-BA15-DC81386A4A2F}" type="datetimeFigureOut">
               <a:rPr lang="ko-KR" altLang="en-US" smtClean="0"/>
-              <a:t>2020-01-22</a:t>
+              <a:t>2020-02-03</a:t>
             </a:fld>
             <a:endParaRPr lang="ko-KR" altLang="en-US"/>
           </a:p>
@@ -1854,7 +1854,7 @@
           <a:p>
             <a:fld id="{18998294-CC79-4C42-BA15-DC81386A4A2F}" type="datetimeFigureOut">
               <a:rPr lang="ko-KR" altLang="en-US" smtClean="0"/>
-              <a:t>2020-01-22</a:t>
+              <a:t>2020-02-03</a:t>
             </a:fld>
             <a:endParaRPr lang="ko-KR" altLang="en-US"/>
           </a:p>
@@ -2266,7 +2266,7 @@
           <a:p>
             <a:fld id="{18998294-CC79-4C42-BA15-DC81386A4A2F}" type="datetimeFigureOut">
               <a:rPr lang="ko-KR" altLang="en-US" smtClean="0"/>
-              <a:t>2020-01-22</a:t>
+              <a:t>2020-02-03</a:t>
             </a:fld>
             <a:endParaRPr lang="ko-KR" altLang="en-US"/>
           </a:p>
@@ -2407,7 +2407,7 @@
           <a:p>
             <a:fld id="{18998294-CC79-4C42-BA15-DC81386A4A2F}" type="datetimeFigureOut">
               <a:rPr lang="ko-KR" altLang="en-US" smtClean="0"/>
-              <a:t>2020-01-22</a:t>
+              <a:t>2020-02-03</a:t>
             </a:fld>
             <a:endParaRPr lang="ko-KR" altLang="en-US"/>
           </a:p>
@@ -2520,7 +2520,7 @@
           <a:p>
             <a:fld id="{18998294-CC79-4C42-BA15-DC81386A4A2F}" type="datetimeFigureOut">
               <a:rPr lang="ko-KR" altLang="en-US" smtClean="0"/>
-              <a:t>2020-01-22</a:t>
+              <a:t>2020-02-03</a:t>
             </a:fld>
             <a:endParaRPr lang="ko-KR" altLang="en-US"/>
           </a:p>
@@ -2831,7 +2831,7 @@
           <a:p>
             <a:fld id="{18998294-CC79-4C42-BA15-DC81386A4A2F}" type="datetimeFigureOut">
               <a:rPr lang="ko-KR" altLang="en-US" smtClean="0"/>
-              <a:t>2020-01-22</a:t>
+              <a:t>2020-02-03</a:t>
             </a:fld>
             <a:endParaRPr lang="ko-KR" altLang="en-US"/>
           </a:p>
@@ -3119,7 +3119,7 @@
           <a:p>
             <a:fld id="{18998294-CC79-4C42-BA15-DC81386A4A2F}" type="datetimeFigureOut">
               <a:rPr lang="ko-KR" altLang="en-US" smtClean="0"/>
-              <a:t>2020-01-22</a:t>
+              <a:t>2020-02-03</a:t>
             </a:fld>
             <a:endParaRPr lang="ko-KR" altLang="en-US"/>
           </a:p>
@@ -3360,7 +3360,7 @@
           <a:p>
             <a:fld id="{18998294-CC79-4C42-BA15-DC81386A4A2F}" type="datetimeFigureOut">
               <a:rPr lang="ko-KR" altLang="en-US" smtClean="0"/>
-              <a:t>2020-01-22</a:t>
+              <a:t>2020-02-03</a:t>
             </a:fld>
             <a:endParaRPr lang="ko-KR" altLang="en-US"/>
           </a:p>
@@ -5120,7 +5120,7 @@
         </p:blipFill>
         <p:spPr>
           <a:xfrm>
-            <a:off x="2168510" y="3230238"/>
+            <a:off x="2168510" y="2273892"/>
             <a:ext cx="7972425" cy="1562100"/>
           </a:xfrm>
           <a:prstGeom prst="rect">
@@ -5142,7 +5142,7 @@
         </p:nvSpPr>
         <p:spPr>
           <a:xfrm>
-            <a:off x="2807306" y="1051770"/>
+            <a:off x="2807306" y="95424"/>
             <a:ext cx="6582251" cy="1477328"/>
           </a:xfrm>
           <a:prstGeom prst="rect">
@@ -5205,6 +5205,36 @@
           </a:p>
         </p:txBody>
       </p:sp>
+      <p:pic>
+        <p:nvPicPr>
+          <p:cNvPr id="5" name="그림 4">
+            <a:extLst>
+              <a:ext uri="{FF2B5EF4-FFF2-40B4-BE49-F238E27FC236}">
+                <a16:creationId xmlns:a16="http://schemas.microsoft.com/office/drawing/2014/main" id="{0868B1B6-ADC8-4736-B2E2-F2BF70915BCA}"/>
+              </a:ext>
+            </a:extLst>
+          </p:cNvPr>
+          <p:cNvPicPr>
+            <a:picLocks noChangeAspect="1"/>
+          </p:cNvPicPr>
+          <p:nvPr/>
+        </p:nvPicPr>
+        <p:blipFill>
+          <a:blip r:embed="rId3"/>
+          <a:stretch>
+            <a:fillRect/>
+          </a:stretch>
+        </p:blipFill>
+        <p:spPr>
+          <a:xfrm>
+            <a:off x="3087061" y="4153862"/>
+            <a:ext cx="5581650" cy="1771650"/>
+          </a:xfrm>
+          <a:prstGeom prst="rect">
+            <a:avLst/>
+          </a:prstGeom>
+        </p:spPr>
+      </p:pic>
     </p:spTree>
     <p:extLst>
       <p:ext uri="{BB962C8B-B14F-4D97-AF65-F5344CB8AC3E}">
